--- a/Processing Airline Data.pptx
+++ b/Processing Airline Data.pptx
@@ -13,6 +13,10 @@
     <p:sldId id="258" r:id="rId8"/>
     <p:sldId id="259" r:id="rId9"/>
     <p:sldId id="260" r:id="rId10"/>
+    <p:sldId id="261" r:id="rId11"/>
+    <p:sldId id="262" r:id="rId12"/>
+    <p:sldId id="263" r:id="rId13"/>
+    <p:sldId id="264" r:id="rId14"/>
   </p:sldIdLst>
   <p:sldSz cy="5143500" cx="9144000"/>
   <p:notesSz cx="6858000" cy="9144000"/>
@@ -1141,6 +1145,402 @@
       <p:sp>
         <p:nvSpPr>
           <p:cNvPr id="82" name="Google Shape;82;g11b39684bde_0_114:notes"/>
+          <p:cNvSpPr txBox="1"/>
+          <p:nvPr>
+            <p:ph idx="1" type="body"/>
+          </p:nvPr>
+        </p:nvSpPr>
+        <p:spPr>
+          <a:xfrm>
+            <a:off x="685800" y="4343400"/>
+            <a:ext cx="5486400" cy="4114800"/>
+          </a:xfrm>
+          <a:prstGeom prst="rect">
+            <a:avLst/>
+          </a:prstGeom>
+        </p:spPr>
+        <p:txBody>
+          <a:bodyPr anchorCtr="0" anchor="t" bIns="91425" lIns="91425" spcFirstLastPara="1" rIns="91425" wrap="square" tIns="91425">
+            <a:noAutofit/>
+          </a:bodyPr>
+          <a:lstStyle/>
+          <a:p>
+            <a:pPr indent="0" lvl="0" marL="0" rtl="0" algn="l">
+              <a:spcBef>
+                <a:spcPts val="0"/>
+              </a:spcBef>
+              <a:spcAft>
+                <a:spcPts val="0"/>
+              </a:spcAft>
+              <a:buNone/>
+            </a:pPr>
+            <a:r>
+              <a:t/>
+            </a:r>
+            <a:endParaRPr/>
+          </a:p>
+        </p:txBody>
+      </p:sp>
+    </p:spTree>
+  </p:cSld>
+  <p:clrMapOvr>
+    <a:masterClrMapping/>
+  </p:clrMapOvr>
+</p:notes>
+</file>
+
+<file path=ppt/notesSlides/notesSlide6.xml><?xml version="1.0" encoding="utf-8"?>
+<p:notes xmlns:a="http://schemas.openxmlformats.org/drawingml/2006/main" xmlns:r="http://schemas.openxmlformats.org/officeDocument/2006/relationships" xmlns:mc="http://schemas.openxmlformats.org/markup-compatibility/2006" xmlns:mv="urn:schemas-microsoft-com:mac:vml" xmlns:p="http://schemas.openxmlformats.org/presentationml/2006/main" xmlns:c="http://schemas.openxmlformats.org/drawingml/2006/chart" xmlns:dgm="http://schemas.openxmlformats.org/drawingml/2006/diagram" xmlns:o="urn:schemas-microsoft-com:office:office" xmlns:v="urn:schemas-microsoft-com:vml" xmlns:pvml="urn:schemas-microsoft-com:office:powerpoint" xmlns:com="http://schemas.openxmlformats.org/drawingml/2006/compatibility" xmlns:p14="http://schemas.microsoft.com/office/powerpoint/2010/main" xmlns:p15="http://schemas.microsoft.com/office/powerpoint/2012/main" xmlns:ahyp="http://schemas.microsoft.com/office/drawing/2018/hyperlinkcolor" showMasterPhAnim="0" showMasterSp="0">
+  <p:cSld>
+    <p:spTree>
+      <p:nvGrpSpPr>
+        <p:cNvPr id="86" name="Shape 86"/>
+        <p:cNvGrpSpPr/>
+        <p:nvPr/>
+      </p:nvGrpSpPr>
+      <p:grpSpPr>
+        <a:xfrm>
+          <a:off x="0" y="0"/>
+          <a:ext cx="0" cy="0"/>
+          <a:chOff x="0" y="0"/>
+          <a:chExt cx="0" cy="0"/>
+        </a:xfrm>
+      </p:grpSpPr>
+      <p:sp>
+        <p:nvSpPr>
+          <p:cNvPr id="87" name="Google Shape;87;g11b39684bde_0_130:notes"/>
+          <p:cNvSpPr/>
+          <p:nvPr>
+            <p:ph idx="2" type="sldImg"/>
+          </p:nvPr>
+        </p:nvSpPr>
+        <p:spPr>
+          <a:xfrm>
+            <a:off x="381300" y="685800"/>
+            <a:ext cx="6096000" cy="3429000"/>
+          </a:xfrm>
+          <a:custGeom>
+            <a:rect b="b" l="l" r="r" t="t"/>
+            <a:pathLst>
+              <a:path extrusionOk="0" h="120000" w="120000">
+                <a:moveTo>
+                  <a:pt x="0" y="0"/>
+                </a:moveTo>
+                <a:lnTo>
+                  <a:pt x="120000" y="0"/>
+                </a:lnTo>
+                <a:lnTo>
+                  <a:pt x="120000" y="120000"/>
+                </a:lnTo>
+                <a:lnTo>
+                  <a:pt x="0" y="120000"/>
+                </a:lnTo>
+                <a:close/>
+              </a:path>
+            </a:pathLst>
+          </a:custGeom>
+        </p:spPr>
+      </p:sp>
+      <p:sp>
+        <p:nvSpPr>
+          <p:cNvPr id="88" name="Google Shape;88;g11b39684bde_0_130:notes"/>
+          <p:cNvSpPr txBox="1"/>
+          <p:nvPr>
+            <p:ph idx="1" type="body"/>
+          </p:nvPr>
+        </p:nvSpPr>
+        <p:spPr>
+          <a:xfrm>
+            <a:off x="685800" y="4343400"/>
+            <a:ext cx="5486400" cy="4114800"/>
+          </a:xfrm>
+          <a:prstGeom prst="rect">
+            <a:avLst/>
+          </a:prstGeom>
+        </p:spPr>
+        <p:txBody>
+          <a:bodyPr anchorCtr="0" anchor="t" bIns="91425" lIns="91425" spcFirstLastPara="1" rIns="91425" wrap="square" tIns="91425">
+            <a:noAutofit/>
+          </a:bodyPr>
+          <a:lstStyle/>
+          <a:p>
+            <a:pPr indent="0" lvl="0" marL="0" rtl="0" algn="l">
+              <a:spcBef>
+                <a:spcPts val="0"/>
+              </a:spcBef>
+              <a:spcAft>
+                <a:spcPts val="0"/>
+              </a:spcAft>
+              <a:buNone/>
+            </a:pPr>
+            <a:r>
+              <a:t/>
+            </a:r>
+            <a:endParaRPr/>
+          </a:p>
+        </p:txBody>
+      </p:sp>
+    </p:spTree>
+  </p:cSld>
+  <p:clrMapOvr>
+    <a:masterClrMapping/>
+  </p:clrMapOvr>
+</p:notes>
+</file>
+
+<file path=ppt/notesSlides/notesSlide7.xml><?xml version="1.0" encoding="utf-8"?>
+<p:notes xmlns:a="http://schemas.openxmlformats.org/drawingml/2006/main" xmlns:r="http://schemas.openxmlformats.org/officeDocument/2006/relationships" xmlns:mc="http://schemas.openxmlformats.org/markup-compatibility/2006" xmlns:mv="urn:schemas-microsoft-com:mac:vml" xmlns:p="http://schemas.openxmlformats.org/presentationml/2006/main" xmlns:c="http://schemas.openxmlformats.org/drawingml/2006/chart" xmlns:dgm="http://schemas.openxmlformats.org/drawingml/2006/diagram" xmlns:o="urn:schemas-microsoft-com:office:office" xmlns:v="urn:schemas-microsoft-com:vml" xmlns:pvml="urn:schemas-microsoft-com:office:powerpoint" xmlns:com="http://schemas.openxmlformats.org/drawingml/2006/compatibility" xmlns:p14="http://schemas.microsoft.com/office/powerpoint/2010/main" xmlns:p15="http://schemas.microsoft.com/office/powerpoint/2012/main" xmlns:ahyp="http://schemas.microsoft.com/office/drawing/2018/hyperlinkcolor" showMasterPhAnim="0" showMasterSp="0">
+  <p:cSld>
+    <p:spTree>
+      <p:nvGrpSpPr>
+        <p:cNvPr id="94" name="Shape 94"/>
+        <p:cNvGrpSpPr/>
+        <p:nvPr/>
+      </p:nvGrpSpPr>
+      <p:grpSpPr>
+        <a:xfrm>
+          <a:off x="0" y="0"/>
+          <a:ext cx="0" cy="0"/>
+          <a:chOff x="0" y="0"/>
+          <a:chExt cx="0" cy="0"/>
+        </a:xfrm>
+      </p:grpSpPr>
+      <p:sp>
+        <p:nvSpPr>
+          <p:cNvPr id="95" name="Google Shape;95;g11b39684bde_0_125:notes"/>
+          <p:cNvSpPr/>
+          <p:nvPr>
+            <p:ph idx="2" type="sldImg"/>
+          </p:nvPr>
+        </p:nvSpPr>
+        <p:spPr>
+          <a:xfrm>
+            <a:off x="381300" y="685800"/>
+            <a:ext cx="6096000" cy="3429000"/>
+          </a:xfrm>
+          <a:custGeom>
+            <a:rect b="b" l="l" r="r" t="t"/>
+            <a:pathLst>
+              <a:path extrusionOk="0" h="120000" w="120000">
+                <a:moveTo>
+                  <a:pt x="0" y="0"/>
+                </a:moveTo>
+                <a:lnTo>
+                  <a:pt x="120000" y="0"/>
+                </a:lnTo>
+                <a:lnTo>
+                  <a:pt x="120000" y="120000"/>
+                </a:lnTo>
+                <a:lnTo>
+                  <a:pt x="0" y="120000"/>
+                </a:lnTo>
+                <a:close/>
+              </a:path>
+            </a:pathLst>
+          </a:custGeom>
+        </p:spPr>
+      </p:sp>
+      <p:sp>
+        <p:nvSpPr>
+          <p:cNvPr id="96" name="Google Shape;96;g11b39684bde_0_125:notes"/>
+          <p:cNvSpPr txBox="1"/>
+          <p:nvPr>
+            <p:ph idx="1" type="body"/>
+          </p:nvPr>
+        </p:nvSpPr>
+        <p:spPr>
+          <a:xfrm>
+            <a:off x="685800" y="4343400"/>
+            <a:ext cx="5486400" cy="4114800"/>
+          </a:xfrm>
+          <a:prstGeom prst="rect">
+            <a:avLst/>
+          </a:prstGeom>
+        </p:spPr>
+        <p:txBody>
+          <a:bodyPr anchorCtr="0" anchor="t" bIns="91425" lIns="91425" spcFirstLastPara="1" rIns="91425" wrap="square" tIns="91425">
+            <a:noAutofit/>
+          </a:bodyPr>
+          <a:lstStyle/>
+          <a:p>
+            <a:pPr indent="0" lvl="0" marL="0" rtl="0" algn="l">
+              <a:spcBef>
+                <a:spcPts val="0"/>
+              </a:spcBef>
+              <a:spcAft>
+                <a:spcPts val="0"/>
+              </a:spcAft>
+              <a:buNone/>
+            </a:pPr>
+            <a:r>
+              <a:t/>
+            </a:r>
+            <a:endParaRPr/>
+          </a:p>
+        </p:txBody>
+      </p:sp>
+    </p:spTree>
+  </p:cSld>
+  <p:clrMapOvr>
+    <a:masterClrMapping/>
+  </p:clrMapOvr>
+</p:notes>
+</file>
+
+<file path=ppt/notesSlides/notesSlide8.xml><?xml version="1.0" encoding="utf-8"?>
+<p:notes xmlns:a="http://schemas.openxmlformats.org/drawingml/2006/main" xmlns:r="http://schemas.openxmlformats.org/officeDocument/2006/relationships" xmlns:mc="http://schemas.openxmlformats.org/markup-compatibility/2006" xmlns:mv="urn:schemas-microsoft-com:mac:vml" xmlns:p="http://schemas.openxmlformats.org/presentationml/2006/main" xmlns:c="http://schemas.openxmlformats.org/drawingml/2006/chart" xmlns:dgm="http://schemas.openxmlformats.org/drawingml/2006/diagram" xmlns:o="urn:schemas-microsoft-com:office:office" xmlns:v="urn:schemas-microsoft-com:vml" xmlns:pvml="urn:schemas-microsoft-com:office:powerpoint" xmlns:com="http://schemas.openxmlformats.org/drawingml/2006/compatibility" xmlns:p14="http://schemas.microsoft.com/office/powerpoint/2010/main" xmlns:p15="http://schemas.microsoft.com/office/powerpoint/2012/main" xmlns:ahyp="http://schemas.microsoft.com/office/drawing/2018/hyperlinkcolor" showMasterPhAnim="0" showMasterSp="0">
+  <p:cSld>
+    <p:spTree>
+      <p:nvGrpSpPr>
+        <p:cNvPr id="102" name="Shape 102"/>
+        <p:cNvGrpSpPr/>
+        <p:nvPr/>
+      </p:nvGrpSpPr>
+      <p:grpSpPr>
+        <a:xfrm>
+          <a:off x="0" y="0"/>
+          <a:ext cx="0" cy="0"/>
+          <a:chOff x="0" y="0"/>
+          <a:chExt cx="0" cy="0"/>
+        </a:xfrm>
+      </p:grpSpPr>
+      <p:sp>
+        <p:nvSpPr>
+          <p:cNvPr id="103" name="Google Shape;103;g11b39684bde_0_138:notes"/>
+          <p:cNvSpPr/>
+          <p:nvPr>
+            <p:ph idx="2" type="sldImg"/>
+          </p:nvPr>
+        </p:nvSpPr>
+        <p:spPr>
+          <a:xfrm>
+            <a:off x="381300" y="685800"/>
+            <a:ext cx="6096000" cy="3429000"/>
+          </a:xfrm>
+          <a:custGeom>
+            <a:rect b="b" l="l" r="r" t="t"/>
+            <a:pathLst>
+              <a:path extrusionOk="0" h="120000" w="120000">
+                <a:moveTo>
+                  <a:pt x="0" y="0"/>
+                </a:moveTo>
+                <a:lnTo>
+                  <a:pt x="120000" y="0"/>
+                </a:lnTo>
+                <a:lnTo>
+                  <a:pt x="120000" y="120000"/>
+                </a:lnTo>
+                <a:lnTo>
+                  <a:pt x="0" y="120000"/>
+                </a:lnTo>
+                <a:close/>
+              </a:path>
+            </a:pathLst>
+          </a:custGeom>
+        </p:spPr>
+      </p:sp>
+      <p:sp>
+        <p:nvSpPr>
+          <p:cNvPr id="104" name="Google Shape;104;g11b39684bde_0_138:notes"/>
+          <p:cNvSpPr txBox="1"/>
+          <p:nvPr>
+            <p:ph idx="1" type="body"/>
+          </p:nvPr>
+        </p:nvSpPr>
+        <p:spPr>
+          <a:xfrm>
+            <a:off x="685800" y="4343400"/>
+            <a:ext cx="5486400" cy="4114800"/>
+          </a:xfrm>
+          <a:prstGeom prst="rect">
+            <a:avLst/>
+          </a:prstGeom>
+        </p:spPr>
+        <p:txBody>
+          <a:bodyPr anchorCtr="0" anchor="t" bIns="91425" lIns="91425" spcFirstLastPara="1" rIns="91425" wrap="square" tIns="91425">
+            <a:noAutofit/>
+          </a:bodyPr>
+          <a:lstStyle/>
+          <a:p>
+            <a:pPr indent="0" lvl="0" marL="0" rtl="0" algn="l">
+              <a:spcBef>
+                <a:spcPts val="0"/>
+              </a:spcBef>
+              <a:spcAft>
+                <a:spcPts val="0"/>
+              </a:spcAft>
+              <a:buNone/>
+            </a:pPr>
+            <a:r>
+              <a:t/>
+            </a:r>
+            <a:endParaRPr/>
+          </a:p>
+        </p:txBody>
+      </p:sp>
+    </p:spTree>
+  </p:cSld>
+  <p:clrMapOvr>
+    <a:masterClrMapping/>
+  </p:clrMapOvr>
+</p:notes>
+</file>
+
+<file path=ppt/notesSlides/notesSlide9.xml><?xml version="1.0" encoding="utf-8"?>
+<p:notes xmlns:a="http://schemas.openxmlformats.org/drawingml/2006/main" xmlns:r="http://schemas.openxmlformats.org/officeDocument/2006/relationships" xmlns:mc="http://schemas.openxmlformats.org/markup-compatibility/2006" xmlns:mv="urn:schemas-microsoft-com:mac:vml" xmlns:p="http://schemas.openxmlformats.org/presentationml/2006/main" xmlns:c="http://schemas.openxmlformats.org/drawingml/2006/chart" xmlns:dgm="http://schemas.openxmlformats.org/drawingml/2006/diagram" xmlns:o="urn:schemas-microsoft-com:office:office" xmlns:v="urn:schemas-microsoft-com:vml" xmlns:pvml="urn:schemas-microsoft-com:office:powerpoint" xmlns:com="http://schemas.openxmlformats.org/drawingml/2006/compatibility" xmlns:p14="http://schemas.microsoft.com/office/powerpoint/2010/main" xmlns:p15="http://schemas.microsoft.com/office/powerpoint/2012/main" xmlns:ahyp="http://schemas.microsoft.com/office/drawing/2018/hyperlinkcolor" showMasterPhAnim="0" showMasterSp="0">
+  <p:cSld>
+    <p:spTree>
+      <p:nvGrpSpPr>
+        <p:cNvPr id="110" name="Shape 110"/>
+        <p:cNvGrpSpPr/>
+        <p:nvPr/>
+      </p:nvGrpSpPr>
+      <p:grpSpPr>
+        <a:xfrm>
+          <a:off x="0" y="0"/>
+          <a:ext cx="0" cy="0"/>
+          <a:chOff x="0" y="0"/>
+          <a:chExt cx="0" cy="0"/>
+        </a:xfrm>
+      </p:grpSpPr>
+      <p:sp>
+        <p:nvSpPr>
+          <p:cNvPr id="111" name="Google Shape;111;g11b39684bde_0_143:notes"/>
+          <p:cNvSpPr/>
+          <p:nvPr>
+            <p:ph idx="2" type="sldImg"/>
+          </p:nvPr>
+        </p:nvSpPr>
+        <p:spPr>
+          <a:xfrm>
+            <a:off x="381300" y="685800"/>
+            <a:ext cx="6096000" cy="3429000"/>
+          </a:xfrm>
+          <a:custGeom>
+            <a:rect b="b" l="l" r="r" t="t"/>
+            <a:pathLst>
+              <a:path extrusionOk="0" h="120000" w="120000">
+                <a:moveTo>
+                  <a:pt x="0" y="0"/>
+                </a:moveTo>
+                <a:lnTo>
+                  <a:pt x="120000" y="0"/>
+                </a:lnTo>
+                <a:lnTo>
+                  <a:pt x="120000" y="120000"/>
+                </a:lnTo>
+                <a:lnTo>
+                  <a:pt x="0" y="120000"/>
+                </a:lnTo>
+                <a:close/>
+              </a:path>
+            </a:pathLst>
+          </a:custGeom>
+        </p:spPr>
+      </p:sp>
+      <p:sp>
+        <p:nvSpPr>
+          <p:cNvPr id="112" name="Google Shape;112;g11b39684bde_0_143:notes"/>
           <p:cNvSpPr txBox="1"/>
           <p:nvPr>
             <p:ph idx="1" type="body"/>
@@ -6852,6 +7252,661 @@
 </p:sld>
 </file>
 
+<file path=ppt/slides/slide6.xml><?xml version="1.0" encoding="utf-8"?>
+<p:sld xmlns:a="http://schemas.openxmlformats.org/drawingml/2006/main" xmlns:r="http://schemas.openxmlformats.org/officeDocument/2006/relationships" xmlns:mc="http://schemas.openxmlformats.org/markup-compatibility/2006" xmlns:mv="urn:schemas-microsoft-com:mac:vml" xmlns:p="http://schemas.openxmlformats.org/presentationml/2006/main" xmlns:c="http://schemas.openxmlformats.org/drawingml/2006/chart" xmlns:dgm="http://schemas.openxmlformats.org/drawingml/2006/diagram" xmlns:o="urn:schemas-microsoft-com:office:office" xmlns:v="urn:schemas-microsoft-com:vml" xmlns:pvml="urn:schemas-microsoft-com:office:powerpoint" xmlns:com="http://schemas.openxmlformats.org/drawingml/2006/compatibility" xmlns:p14="http://schemas.microsoft.com/office/powerpoint/2010/main" xmlns:p15="http://schemas.microsoft.com/office/powerpoint/2012/main" xmlns:ahyp="http://schemas.microsoft.com/office/drawing/2018/hyperlinkcolor">
+  <p:cSld>
+    <p:spTree>
+      <p:nvGrpSpPr>
+        <p:cNvPr id="89" name="Shape 89"/>
+        <p:cNvGrpSpPr/>
+        <p:nvPr/>
+      </p:nvGrpSpPr>
+      <p:grpSpPr>
+        <a:xfrm>
+          <a:off x="0" y="0"/>
+          <a:ext cx="0" cy="0"/>
+          <a:chOff x="0" y="0"/>
+          <a:chExt cx="0" cy="0"/>
+        </a:xfrm>
+      </p:grpSpPr>
+      <p:sp>
+        <p:nvSpPr>
+          <p:cNvPr id="90" name="Google Shape;90;p18"/>
+          <p:cNvSpPr txBox="1"/>
+          <p:nvPr>
+            <p:ph type="title"/>
+          </p:nvPr>
+        </p:nvSpPr>
+        <p:spPr>
+          <a:xfrm>
+            <a:off x="311700" y="445025"/>
+            <a:ext cx="8520600" cy="572700"/>
+          </a:xfrm>
+          <a:prstGeom prst="rect">
+            <a:avLst/>
+          </a:prstGeom>
+        </p:spPr>
+        <p:txBody>
+          <a:bodyPr anchorCtr="0" anchor="t" bIns="91425" lIns="91425" spcFirstLastPara="1" rIns="91425" wrap="square" tIns="91425">
+            <a:normAutofit fontScale="90000"/>
+          </a:bodyPr>
+          <a:lstStyle/>
+          <a:p>
+            <a:pPr indent="0" lvl="0" marL="0" rtl="0" algn="ctr">
+              <a:spcBef>
+                <a:spcPts val="0"/>
+              </a:spcBef>
+              <a:spcAft>
+                <a:spcPts val="0"/>
+              </a:spcAft>
+              <a:buNone/>
+            </a:pPr>
+            <a:r>
+              <a:rPr lang="en"/>
+              <a:t>Examples</a:t>
+            </a:r>
+            <a:endParaRPr/>
+          </a:p>
+        </p:txBody>
+      </p:sp>
+      <p:sp>
+        <p:nvSpPr>
+          <p:cNvPr id="91" name="Google Shape;91;p18"/>
+          <p:cNvSpPr txBox="1"/>
+          <p:nvPr>
+            <p:ph idx="1" type="body"/>
+          </p:nvPr>
+        </p:nvSpPr>
+        <p:spPr>
+          <a:xfrm>
+            <a:off x="311700" y="1152475"/>
+            <a:ext cx="8520600" cy="3416400"/>
+          </a:xfrm>
+          <a:prstGeom prst="rect">
+            <a:avLst/>
+          </a:prstGeom>
+        </p:spPr>
+        <p:txBody>
+          <a:bodyPr anchorCtr="0" anchor="t" bIns="91425" lIns="91425" spcFirstLastPara="1" rIns="91425" wrap="square" tIns="91425">
+            <a:normAutofit/>
+          </a:bodyPr>
+          <a:lstStyle/>
+          <a:p>
+            <a:pPr indent="0" lvl="0" marL="0" rtl="0" algn="l">
+              <a:spcBef>
+                <a:spcPts val="0"/>
+              </a:spcBef>
+              <a:spcAft>
+                <a:spcPts val="1200"/>
+              </a:spcAft>
+              <a:buNone/>
+            </a:pPr>
+            <a:r>
+              <a:t/>
+            </a:r>
+            <a:endParaRPr/>
+          </a:p>
+        </p:txBody>
+      </p:sp>
+      <p:pic>
+        <p:nvPicPr>
+          <p:cNvPr id="92" name="Google Shape;92;p18"/>
+          <p:cNvPicPr preferRelativeResize="0"/>
+          <p:nvPr/>
+        </p:nvPicPr>
+        <p:blipFill>
+          <a:blip r:embed="rId3">
+            <a:alphaModFix/>
+          </a:blip>
+          <a:stretch>
+            <a:fillRect/>
+          </a:stretch>
+        </p:blipFill>
+        <p:spPr>
+          <a:xfrm>
+            <a:off x="762000" y="1017713"/>
+            <a:ext cx="7620000" cy="828675"/>
+          </a:xfrm>
+          <a:prstGeom prst="rect">
+            <a:avLst/>
+          </a:prstGeom>
+          <a:noFill/>
+          <a:ln>
+            <a:noFill/>
+          </a:ln>
+        </p:spPr>
+      </p:pic>
+      <p:pic>
+        <p:nvPicPr>
+          <p:cNvPr id="93" name="Google Shape;93;p18"/>
+          <p:cNvPicPr preferRelativeResize="0"/>
+          <p:nvPr/>
+        </p:nvPicPr>
+        <p:blipFill>
+          <a:blip r:embed="rId4">
+            <a:alphaModFix/>
+          </a:blip>
+          <a:stretch>
+            <a:fillRect/>
+          </a:stretch>
+        </p:blipFill>
+        <p:spPr>
+          <a:xfrm>
+            <a:off x="3192219" y="1632600"/>
+            <a:ext cx="2351956" cy="3307250"/>
+          </a:xfrm>
+          <a:prstGeom prst="rect">
+            <a:avLst/>
+          </a:prstGeom>
+          <a:noFill/>
+          <a:ln>
+            <a:noFill/>
+          </a:ln>
+        </p:spPr>
+      </p:pic>
+    </p:spTree>
+  </p:cSld>
+  <p:clrMapOvr>
+    <a:masterClrMapping/>
+  </p:clrMapOvr>
+</p:sld>
+</file>
+
+<file path=ppt/slides/slide7.xml><?xml version="1.0" encoding="utf-8"?>
+<p:sld xmlns:a="http://schemas.openxmlformats.org/drawingml/2006/main" xmlns:r="http://schemas.openxmlformats.org/officeDocument/2006/relationships" xmlns:mc="http://schemas.openxmlformats.org/markup-compatibility/2006" xmlns:mv="urn:schemas-microsoft-com:mac:vml" xmlns:p="http://schemas.openxmlformats.org/presentationml/2006/main" xmlns:c="http://schemas.openxmlformats.org/drawingml/2006/chart" xmlns:dgm="http://schemas.openxmlformats.org/drawingml/2006/diagram" xmlns:o="urn:schemas-microsoft-com:office:office" xmlns:v="urn:schemas-microsoft-com:vml" xmlns:pvml="urn:schemas-microsoft-com:office:powerpoint" xmlns:com="http://schemas.openxmlformats.org/drawingml/2006/compatibility" xmlns:p14="http://schemas.microsoft.com/office/powerpoint/2010/main" xmlns:p15="http://schemas.microsoft.com/office/powerpoint/2012/main" xmlns:ahyp="http://schemas.microsoft.com/office/drawing/2018/hyperlinkcolor">
+  <p:cSld>
+    <p:spTree>
+      <p:nvGrpSpPr>
+        <p:cNvPr id="97" name="Shape 97"/>
+        <p:cNvGrpSpPr/>
+        <p:nvPr/>
+      </p:nvGrpSpPr>
+      <p:grpSpPr>
+        <a:xfrm>
+          <a:off x="0" y="0"/>
+          <a:ext cx="0" cy="0"/>
+          <a:chOff x="0" y="0"/>
+          <a:chExt cx="0" cy="0"/>
+        </a:xfrm>
+      </p:grpSpPr>
+      <p:sp>
+        <p:nvSpPr>
+          <p:cNvPr id="98" name="Google Shape;98;p19"/>
+          <p:cNvSpPr txBox="1"/>
+          <p:nvPr>
+            <p:ph type="title"/>
+          </p:nvPr>
+        </p:nvSpPr>
+        <p:spPr>
+          <a:xfrm>
+            <a:off x="311700" y="445025"/>
+            <a:ext cx="8520600" cy="572700"/>
+          </a:xfrm>
+          <a:prstGeom prst="rect">
+            <a:avLst/>
+          </a:prstGeom>
+        </p:spPr>
+        <p:txBody>
+          <a:bodyPr anchorCtr="0" anchor="t" bIns="91425" lIns="91425" spcFirstLastPara="1" rIns="91425" wrap="square" tIns="91425">
+            <a:normAutofit fontScale="90000"/>
+          </a:bodyPr>
+          <a:lstStyle/>
+          <a:p>
+            <a:pPr indent="0" lvl="0" marL="0" rtl="0" algn="ctr">
+              <a:spcBef>
+                <a:spcPts val="0"/>
+              </a:spcBef>
+              <a:spcAft>
+                <a:spcPts val="0"/>
+              </a:spcAft>
+              <a:buNone/>
+            </a:pPr>
+            <a:r>
+              <a:rPr lang="en"/>
+              <a:t>Examples</a:t>
+            </a:r>
+            <a:endParaRPr/>
+          </a:p>
+        </p:txBody>
+      </p:sp>
+      <p:sp>
+        <p:nvSpPr>
+          <p:cNvPr id="99" name="Google Shape;99;p19"/>
+          <p:cNvSpPr txBox="1"/>
+          <p:nvPr>
+            <p:ph idx="1" type="body"/>
+          </p:nvPr>
+        </p:nvSpPr>
+        <p:spPr>
+          <a:xfrm>
+            <a:off x="311700" y="1152475"/>
+            <a:ext cx="8520600" cy="3416400"/>
+          </a:xfrm>
+          <a:prstGeom prst="rect">
+            <a:avLst/>
+          </a:prstGeom>
+        </p:spPr>
+        <p:txBody>
+          <a:bodyPr anchorCtr="0" anchor="t" bIns="91425" lIns="91425" spcFirstLastPara="1" rIns="91425" wrap="square" tIns="91425">
+            <a:normAutofit/>
+          </a:bodyPr>
+          <a:lstStyle/>
+          <a:p>
+            <a:pPr indent="0" lvl="0" marL="0" rtl="0" algn="l">
+              <a:spcBef>
+                <a:spcPts val="0"/>
+              </a:spcBef>
+              <a:spcAft>
+                <a:spcPts val="1200"/>
+              </a:spcAft>
+              <a:buNone/>
+            </a:pPr>
+            <a:r>
+              <a:t/>
+            </a:r>
+            <a:endParaRPr/>
+          </a:p>
+        </p:txBody>
+      </p:sp>
+      <p:pic>
+        <p:nvPicPr>
+          <p:cNvPr id="100" name="Google Shape;100;p19"/>
+          <p:cNvPicPr preferRelativeResize="0"/>
+          <p:nvPr/>
+        </p:nvPicPr>
+        <p:blipFill>
+          <a:blip r:embed="rId3">
+            <a:alphaModFix/>
+          </a:blip>
+          <a:stretch>
+            <a:fillRect/>
+          </a:stretch>
+        </p:blipFill>
+        <p:spPr>
+          <a:xfrm>
+            <a:off x="1375100" y="1089475"/>
+            <a:ext cx="6735376" cy="704850"/>
+          </a:xfrm>
+          <a:prstGeom prst="rect">
+            <a:avLst/>
+          </a:prstGeom>
+          <a:noFill/>
+          <a:ln>
+            <a:noFill/>
+          </a:ln>
+        </p:spPr>
+      </p:pic>
+      <p:pic>
+        <p:nvPicPr>
+          <p:cNvPr id="101" name="Google Shape;101;p19"/>
+          <p:cNvPicPr preferRelativeResize="0"/>
+          <p:nvPr/>
+        </p:nvPicPr>
+        <p:blipFill>
+          <a:blip r:embed="rId4">
+            <a:alphaModFix/>
+          </a:blip>
+          <a:stretch>
+            <a:fillRect/>
+          </a:stretch>
+        </p:blipFill>
+        <p:spPr>
+          <a:xfrm>
+            <a:off x="3335719" y="1707925"/>
+            <a:ext cx="2408206" cy="3233525"/>
+          </a:xfrm>
+          <a:prstGeom prst="rect">
+            <a:avLst/>
+          </a:prstGeom>
+          <a:noFill/>
+          <a:ln>
+            <a:noFill/>
+          </a:ln>
+        </p:spPr>
+      </p:pic>
+    </p:spTree>
+  </p:cSld>
+  <p:clrMapOvr>
+    <a:masterClrMapping/>
+  </p:clrMapOvr>
+</p:sld>
+</file>
+
+<file path=ppt/slides/slide8.xml><?xml version="1.0" encoding="utf-8"?>
+<p:sld xmlns:a="http://schemas.openxmlformats.org/drawingml/2006/main" xmlns:r="http://schemas.openxmlformats.org/officeDocument/2006/relationships" xmlns:mc="http://schemas.openxmlformats.org/markup-compatibility/2006" xmlns:mv="urn:schemas-microsoft-com:mac:vml" xmlns:p="http://schemas.openxmlformats.org/presentationml/2006/main" xmlns:c="http://schemas.openxmlformats.org/drawingml/2006/chart" xmlns:dgm="http://schemas.openxmlformats.org/drawingml/2006/diagram" xmlns:o="urn:schemas-microsoft-com:office:office" xmlns:v="urn:schemas-microsoft-com:vml" xmlns:pvml="urn:schemas-microsoft-com:office:powerpoint" xmlns:com="http://schemas.openxmlformats.org/drawingml/2006/compatibility" xmlns:p14="http://schemas.microsoft.com/office/powerpoint/2010/main" xmlns:p15="http://schemas.microsoft.com/office/powerpoint/2012/main" xmlns:ahyp="http://schemas.microsoft.com/office/drawing/2018/hyperlinkcolor">
+  <p:cSld>
+    <p:spTree>
+      <p:nvGrpSpPr>
+        <p:cNvPr id="105" name="Shape 105"/>
+        <p:cNvGrpSpPr/>
+        <p:nvPr/>
+      </p:nvGrpSpPr>
+      <p:grpSpPr>
+        <a:xfrm>
+          <a:off x="0" y="0"/>
+          <a:ext cx="0" cy="0"/>
+          <a:chOff x="0" y="0"/>
+          <a:chExt cx="0" cy="0"/>
+        </a:xfrm>
+      </p:grpSpPr>
+      <p:sp>
+        <p:nvSpPr>
+          <p:cNvPr id="106" name="Google Shape;106;p20"/>
+          <p:cNvSpPr txBox="1"/>
+          <p:nvPr>
+            <p:ph type="title"/>
+          </p:nvPr>
+        </p:nvSpPr>
+        <p:spPr>
+          <a:xfrm>
+            <a:off x="311700" y="445025"/>
+            <a:ext cx="8520600" cy="572700"/>
+          </a:xfrm>
+          <a:prstGeom prst="rect">
+            <a:avLst/>
+          </a:prstGeom>
+        </p:spPr>
+        <p:txBody>
+          <a:bodyPr anchorCtr="0" anchor="t" bIns="91425" lIns="91425" spcFirstLastPara="1" rIns="91425" wrap="square" tIns="91425">
+            <a:normAutofit fontScale="90000"/>
+          </a:bodyPr>
+          <a:lstStyle/>
+          <a:p>
+            <a:pPr indent="0" lvl="0" marL="0" rtl="0" algn="ctr">
+              <a:spcBef>
+                <a:spcPts val="0"/>
+              </a:spcBef>
+              <a:spcAft>
+                <a:spcPts val="0"/>
+              </a:spcAft>
+              <a:buNone/>
+            </a:pPr>
+            <a:r>
+              <a:rPr lang="en"/>
+              <a:t>Examples</a:t>
+            </a:r>
+            <a:endParaRPr/>
+          </a:p>
+        </p:txBody>
+      </p:sp>
+      <p:sp>
+        <p:nvSpPr>
+          <p:cNvPr id="107" name="Google Shape;107;p20"/>
+          <p:cNvSpPr txBox="1"/>
+          <p:nvPr>
+            <p:ph idx="1" type="body"/>
+          </p:nvPr>
+        </p:nvSpPr>
+        <p:spPr>
+          <a:xfrm>
+            <a:off x="311700" y="1152475"/>
+            <a:ext cx="8520600" cy="3416400"/>
+          </a:xfrm>
+          <a:prstGeom prst="rect">
+            <a:avLst/>
+          </a:prstGeom>
+        </p:spPr>
+        <p:txBody>
+          <a:bodyPr anchorCtr="0" anchor="t" bIns="91425" lIns="91425" spcFirstLastPara="1" rIns="91425" wrap="square" tIns="91425">
+            <a:normAutofit/>
+          </a:bodyPr>
+          <a:lstStyle/>
+          <a:p>
+            <a:pPr indent="0" lvl="0" marL="0" rtl="0" algn="l">
+              <a:spcBef>
+                <a:spcPts val="0"/>
+              </a:spcBef>
+              <a:spcAft>
+                <a:spcPts val="1200"/>
+              </a:spcAft>
+              <a:buNone/>
+            </a:pPr>
+            <a:r>
+              <a:t/>
+            </a:r>
+            <a:endParaRPr/>
+          </a:p>
+        </p:txBody>
+      </p:sp>
+      <p:pic>
+        <p:nvPicPr>
+          <p:cNvPr id="108" name="Google Shape;108;p20"/>
+          <p:cNvPicPr preferRelativeResize="0"/>
+          <p:nvPr/>
+        </p:nvPicPr>
+        <p:blipFill>
+          <a:blip r:embed="rId3">
+            <a:alphaModFix/>
+          </a:blip>
+          <a:stretch>
+            <a:fillRect/>
+          </a:stretch>
+        </p:blipFill>
+        <p:spPr>
+          <a:xfrm>
+            <a:off x="1325075" y="1152475"/>
+            <a:ext cx="6493854" cy="572700"/>
+          </a:xfrm>
+          <a:prstGeom prst="rect">
+            <a:avLst/>
+          </a:prstGeom>
+          <a:noFill/>
+          <a:ln>
+            <a:noFill/>
+          </a:ln>
+        </p:spPr>
+      </p:pic>
+      <p:pic>
+        <p:nvPicPr>
+          <p:cNvPr id="109" name="Google Shape;109;p20"/>
+          <p:cNvPicPr preferRelativeResize="0"/>
+          <p:nvPr/>
+        </p:nvPicPr>
+        <p:blipFill>
+          <a:blip r:embed="rId4">
+            <a:alphaModFix/>
+          </a:blip>
+          <a:stretch>
+            <a:fillRect/>
+          </a:stretch>
+        </p:blipFill>
+        <p:spPr>
+          <a:xfrm>
+            <a:off x="3100550" y="1672900"/>
+            <a:ext cx="2492250" cy="3091800"/>
+          </a:xfrm>
+          <a:prstGeom prst="rect">
+            <a:avLst/>
+          </a:prstGeom>
+          <a:noFill/>
+          <a:ln>
+            <a:noFill/>
+          </a:ln>
+        </p:spPr>
+      </p:pic>
+    </p:spTree>
+  </p:cSld>
+  <p:clrMapOvr>
+    <a:masterClrMapping/>
+  </p:clrMapOvr>
+</p:sld>
+</file>
+
+<file path=ppt/slides/slide9.xml><?xml version="1.0" encoding="utf-8"?>
+<p:sld xmlns:a="http://schemas.openxmlformats.org/drawingml/2006/main" xmlns:r="http://schemas.openxmlformats.org/officeDocument/2006/relationships" xmlns:mc="http://schemas.openxmlformats.org/markup-compatibility/2006" xmlns:mv="urn:schemas-microsoft-com:mac:vml" xmlns:p="http://schemas.openxmlformats.org/presentationml/2006/main" xmlns:c="http://schemas.openxmlformats.org/drawingml/2006/chart" xmlns:dgm="http://schemas.openxmlformats.org/drawingml/2006/diagram" xmlns:o="urn:schemas-microsoft-com:office:office" xmlns:v="urn:schemas-microsoft-com:vml" xmlns:pvml="urn:schemas-microsoft-com:office:powerpoint" xmlns:com="http://schemas.openxmlformats.org/drawingml/2006/compatibility" xmlns:p14="http://schemas.microsoft.com/office/powerpoint/2010/main" xmlns:p15="http://schemas.microsoft.com/office/powerpoint/2012/main" xmlns:ahyp="http://schemas.microsoft.com/office/drawing/2018/hyperlinkcolor">
+  <p:cSld>
+    <p:spTree>
+      <p:nvGrpSpPr>
+        <p:cNvPr id="113" name="Shape 113"/>
+        <p:cNvGrpSpPr/>
+        <p:nvPr/>
+      </p:nvGrpSpPr>
+      <p:grpSpPr>
+        <a:xfrm>
+          <a:off x="0" y="0"/>
+          <a:ext cx="0" cy="0"/>
+          <a:chOff x="0" y="0"/>
+          <a:chExt cx="0" cy="0"/>
+        </a:xfrm>
+      </p:grpSpPr>
+      <p:sp>
+        <p:nvSpPr>
+          <p:cNvPr id="114" name="Google Shape;114;p21"/>
+          <p:cNvSpPr txBox="1"/>
+          <p:nvPr>
+            <p:ph type="title"/>
+          </p:nvPr>
+        </p:nvSpPr>
+        <p:spPr>
+          <a:xfrm>
+            <a:off x="311700" y="445025"/>
+            <a:ext cx="8520600" cy="572700"/>
+          </a:xfrm>
+          <a:prstGeom prst="rect">
+            <a:avLst/>
+          </a:prstGeom>
+        </p:spPr>
+        <p:txBody>
+          <a:bodyPr anchorCtr="0" anchor="t" bIns="91425" lIns="91425" spcFirstLastPara="1" rIns="91425" wrap="square" tIns="91425">
+            <a:normAutofit fontScale="90000"/>
+          </a:bodyPr>
+          <a:lstStyle/>
+          <a:p>
+            <a:pPr indent="0" lvl="0" marL="0" rtl="0" algn="ctr">
+              <a:spcBef>
+                <a:spcPts val="0"/>
+              </a:spcBef>
+              <a:spcAft>
+                <a:spcPts val="0"/>
+              </a:spcAft>
+              <a:buNone/>
+            </a:pPr>
+            <a:r>
+              <a:rPr lang="en"/>
+              <a:t>Examples</a:t>
+            </a:r>
+            <a:endParaRPr/>
+          </a:p>
+          <a:p>
+            <a:pPr indent="0" lvl="0" marL="0" rtl="0" algn="l">
+              <a:spcBef>
+                <a:spcPts val="0"/>
+              </a:spcBef>
+              <a:spcAft>
+                <a:spcPts val="0"/>
+              </a:spcAft>
+              <a:buNone/>
+            </a:pPr>
+            <a:r>
+              <a:t/>
+            </a:r>
+            <a:endParaRPr/>
+          </a:p>
+        </p:txBody>
+      </p:sp>
+      <p:sp>
+        <p:nvSpPr>
+          <p:cNvPr id="115" name="Google Shape;115;p21"/>
+          <p:cNvSpPr txBox="1"/>
+          <p:nvPr>
+            <p:ph idx="1" type="body"/>
+          </p:nvPr>
+        </p:nvSpPr>
+        <p:spPr>
+          <a:xfrm>
+            <a:off x="311700" y="1152475"/>
+            <a:ext cx="8520600" cy="3416400"/>
+          </a:xfrm>
+          <a:prstGeom prst="rect">
+            <a:avLst/>
+          </a:prstGeom>
+        </p:spPr>
+        <p:txBody>
+          <a:bodyPr anchorCtr="0" anchor="t" bIns="91425" lIns="91425" spcFirstLastPara="1" rIns="91425" wrap="square" tIns="91425">
+            <a:normAutofit/>
+          </a:bodyPr>
+          <a:lstStyle/>
+          <a:p>
+            <a:pPr indent="0" lvl="0" marL="0" rtl="0" algn="l">
+              <a:spcBef>
+                <a:spcPts val="0"/>
+              </a:spcBef>
+              <a:spcAft>
+                <a:spcPts val="1200"/>
+              </a:spcAft>
+              <a:buNone/>
+            </a:pPr>
+            <a:r>
+              <a:t/>
+            </a:r>
+            <a:endParaRPr/>
+          </a:p>
+        </p:txBody>
+      </p:sp>
+      <p:pic>
+        <p:nvPicPr>
+          <p:cNvPr id="116" name="Google Shape;116;p21"/>
+          <p:cNvPicPr preferRelativeResize="0"/>
+          <p:nvPr/>
+        </p:nvPicPr>
+        <p:blipFill>
+          <a:blip r:embed="rId3">
+            <a:alphaModFix/>
+          </a:blip>
+          <a:stretch>
+            <a:fillRect/>
+          </a:stretch>
+        </p:blipFill>
+        <p:spPr>
+          <a:xfrm>
+            <a:off x="1404925" y="1108525"/>
+            <a:ext cx="6334125" cy="666750"/>
+          </a:xfrm>
+          <a:prstGeom prst="rect">
+            <a:avLst/>
+          </a:prstGeom>
+          <a:noFill/>
+          <a:ln>
+            <a:noFill/>
+          </a:ln>
+        </p:spPr>
+      </p:pic>
+      <p:pic>
+        <p:nvPicPr>
+          <p:cNvPr id="117" name="Google Shape;117;p21"/>
+          <p:cNvPicPr preferRelativeResize="0"/>
+          <p:nvPr/>
+        </p:nvPicPr>
+        <p:blipFill>
+          <a:blip r:embed="rId4">
+            <a:alphaModFix/>
+          </a:blip>
+          <a:stretch>
+            <a:fillRect/>
+          </a:stretch>
+        </p:blipFill>
+        <p:spPr>
+          <a:xfrm>
+            <a:off x="3116116" y="1553900"/>
+            <a:ext cx="3063085" cy="3589600"/>
+          </a:xfrm>
+          <a:prstGeom prst="rect">
+            <a:avLst/>
+          </a:prstGeom>
+          <a:noFill/>
+          <a:ln>
+            <a:noFill/>
+          </a:ln>
+        </p:spPr>
+      </p:pic>
+    </p:spTree>
+  </p:cSld>
+  <p:clrMapOvr>
+    <a:masterClrMapping/>
+  </p:clrMapOvr>
+</p:sld>
+</file>
+
 <file path=ppt/theme/theme1.xml><?xml version="1.0" encoding="utf-8"?>
 <a:theme xmlns:a="http://schemas.openxmlformats.org/drawingml/2006/main" xmlns:r="http://schemas.openxmlformats.org/officeDocument/2006/relationships" name="Simple Dark">
   <a:themeElements>
